--- a/paper/MAB.pptx
+++ b/paper/MAB.pptx
@@ -137,6 +137,22 @@
       </a:defRPr>
     </a:lvl9pPr>
   </p:defaultTextStyle>
+  <p:extLst>
+    <p:ext uri="{EFAFB233-063F-42B5-8137-9DF3F51BA10A}">
+      <p15:sldGuideLst xmlns:p15="http://schemas.microsoft.com/office/powerpoint/2012/main">
+        <p15:guide id="1" orient="horz" pos="2160">
+          <p15:clr>
+            <a:srgbClr val="A4A3A4"/>
+          </p15:clr>
+        </p15:guide>
+        <p15:guide id="2" pos="2880">
+          <p15:clr>
+            <a:srgbClr val="A4A3A4"/>
+          </p15:clr>
+        </p15:guide>
+      </p15:sldGuideLst>
+    </p:ext>
+  </p:extLst>
 </p:presentation>
 </file>
 
@@ -222,7 +238,7 @@
           <a:p>
             <a:fld id="{154995E4-EE72-4692-A218-9C98AC361961}" type="datetimeFigureOut">
               <a:rPr lang="zh-CN" altLang="en-US" smtClean="0"/>
-              <a:t>3-24</a:t>
+              <a:t>2016/5/20 Friday</a:t>
             </a:fld>
             <a:endParaRPr lang="zh-CN" altLang="en-US"/>
           </a:p>
@@ -3041,7 +3057,7 @@
           <a:p>
             <a:fld id="{7272A948-E989-4D78-B331-346BC01F758D}" type="datetime1">
               <a:rPr lang="zh-CN" altLang="en-US" smtClean="0"/>
-              <a:t>3-24</a:t>
+              <a:t>2016/5/20 Friday</a:t>
             </a:fld>
             <a:endParaRPr lang="zh-CN" altLang="en-US"/>
           </a:p>
@@ -3206,7 +3222,7 @@
           <a:p>
             <a:fld id="{EE58D162-746A-464E-A72E-8B4714FEF260}" type="datetime1">
               <a:rPr lang="zh-CN" altLang="en-US" smtClean="0"/>
-              <a:t>3-24</a:t>
+              <a:t>2016/5/20 Friday</a:t>
             </a:fld>
             <a:endParaRPr lang="zh-CN" altLang="en-US"/>
           </a:p>
@@ -3381,7 +3397,7 @@
           <a:p>
             <a:fld id="{08A4E2FF-42EC-4190-B3C1-9B6609BAF6C6}" type="datetime1">
               <a:rPr lang="zh-CN" altLang="en-US" smtClean="0"/>
-              <a:t>3-24</a:t>
+              <a:t>2016/5/20 Friday</a:t>
             </a:fld>
             <a:endParaRPr lang="zh-CN" altLang="en-US"/>
           </a:p>
@@ -3546,7 +3562,7 @@
           <a:p>
             <a:fld id="{AA6E737C-673A-42B7-9F15-400D096B1FD7}" type="datetime1">
               <a:rPr lang="zh-CN" altLang="en-US" smtClean="0"/>
-              <a:t>3-24</a:t>
+              <a:t>2016/5/20 Friday</a:t>
             </a:fld>
             <a:endParaRPr lang="zh-CN" altLang="en-US"/>
           </a:p>
@@ -3787,7 +3803,7 @@
           <a:p>
             <a:fld id="{16773DC3-7C38-42E8-AC50-E9A205BEAAB6}" type="datetime1">
               <a:rPr lang="zh-CN" altLang="en-US" smtClean="0"/>
-              <a:t>3-24</a:t>
+              <a:t>2016/5/20 Friday</a:t>
             </a:fld>
             <a:endParaRPr lang="zh-CN" altLang="en-US"/>
           </a:p>
@@ -4070,7 +4086,7 @@
           <a:p>
             <a:fld id="{EB154420-5841-4CF9-BF24-2F79A7505B0B}" type="datetime1">
               <a:rPr lang="zh-CN" altLang="en-US" smtClean="0"/>
-              <a:t>3-24</a:t>
+              <a:t>2016/5/20 Friday</a:t>
             </a:fld>
             <a:endParaRPr lang="zh-CN" altLang="en-US"/>
           </a:p>
@@ -4487,7 +4503,7 @@
           <a:p>
             <a:fld id="{AB76049E-9192-46C2-B76F-6EC6391C871F}" type="datetime1">
               <a:rPr lang="zh-CN" altLang="en-US" smtClean="0"/>
-              <a:t>3-24</a:t>
+              <a:t>2016/5/20 Friday</a:t>
             </a:fld>
             <a:endParaRPr lang="zh-CN" altLang="en-US"/>
           </a:p>
@@ -4600,7 +4616,7 @@
           <a:p>
             <a:fld id="{83F0F86E-DB6B-49C6-83B2-779271B0F785}" type="datetime1">
               <a:rPr lang="zh-CN" altLang="en-US" smtClean="0"/>
-              <a:t>3-24</a:t>
+              <a:t>2016/5/20 Friday</a:t>
             </a:fld>
             <a:endParaRPr lang="zh-CN" altLang="en-US"/>
           </a:p>
@@ -4690,7 +4706,7 @@
           <a:p>
             <a:fld id="{7BAC1538-8D73-47B3-8E3D-7BD87C2D436C}" type="datetime1">
               <a:rPr lang="zh-CN" altLang="en-US" smtClean="0"/>
-              <a:t>3-24</a:t>
+              <a:t>2016/5/20 Friday</a:t>
             </a:fld>
             <a:endParaRPr lang="zh-CN" altLang="en-US"/>
           </a:p>
@@ -4962,7 +4978,7 @@
           <a:p>
             <a:fld id="{BE506D47-D481-4B06-9CFF-A9CDF5BAD476}" type="datetime1">
               <a:rPr lang="zh-CN" altLang="en-US" smtClean="0"/>
-              <a:t>3-24</a:t>
+              <a:t>2016/5/20 Friday</a:t>
             </a:fld>
             <a:endParaRPr lang="zh-CN" altLang="en-US"/>
           </a:p>
@@ -5210,7 +5226,7 @@
           <a:p>
             <a:fld id="{45A94E8E-8619-46EF-9749-30005E6C4FAE}" type="datetime1">
               <a:rPr lang="zh-CN" altLang="en-US" smtClean="0"/>
-              <a:t>3-24</a:t>
+              <a:t>2016/5/20 Friday</a:t>
             </a:fld>
             <a:endParaRPr lang="zh-CN" altLang="en-US"/>
           </a:p>
@@ -5418,7 +5434,7 @@
           <a:p>
             <a:fld id="{83971474-9879-41A3-94E1-7C59739F77AF}" type="datetime1">
               <a:rPr lang="zh-CN" altLang="en-US" smtClean="0"/>
-              <a:t>3-24</a:t>
+              <a:t>2016/5/20 Friday</a:t>
             </a:fld>
             <a:endParaRPr lang="zh-CN" altLang="en-US"/>
           </a:p>
@@ -10589,7 +10605,7 @@
           <a:graphicData uri="http://schemas.openxmlformats.org/presentationml/2006/ole">
             <mc:AlternateContent xmlns:mc="http://schemas.openxmlformats.org/markup-compatibility/2006">
               <mc:Choice xmlns:v="urn:schemas-microsoft-com:vml" Requires="v">
-                <p:oleObj spid="_x0000_s1449" name="Equation" r:id="rId4" imgW="457200" imgH="228600" progId="Equation.DSMT4">
+                <p:oleObj spid="_x0000_s1458" name="Equation" r:id="rId4" imgW="457200" imgH="228600" progId="Equation.DSMT4">
                   <p:embed/>
                 </p:oleObj>
               </mc:Choice>
@@ -10646,7 +10662,7 @@
           <a:graphicData uri="http://schemas.openxmlformats.org/presentationml/2006/ole">
             <mc:AlternateContent xmlns:mc="http://schemas.openxmlformats.org/markup-compatibility/2006">
               <mc:Choice xmlns:v="urn:schemas-microsoft-com:vml" Requires="v">
-                <p:oleObj spid="_x0000_s1450" name="Equation" r:id="rId6" imgW="139680" imgH="139680" progId="Equation.DSMT4">
+                <p:oleObj spid="_x0000_s1459" name="Equation" r:id="rId6" imgW="139680" imgH="139680" progId="Equation.DSMT4">
                   <p:embed/>
                 </p:oleObj>
               </mc:Choice>
@@ -10703,7 +10719,7 @@
           <a:graphicData uri="http://schemas.openxmlformats.org/presentationml/2006/ole">
             <mc:AlternateContent xmlns:mc="http://schemas.openxmlformats.org/markup-compatibility/2006">
               <mc:Choice xmlns:v="urn:schemas-microsoft-com:vml" Requires="v">
-                <p:oleObj spid="_x0000_s1451" name="Equation" r:id="rId8" imgW="634680" imgH="241200" progId="Equation.DSMT4">
+                <p:oleObj spid="_x0000_s1460" name="Equation" r:id="rId8" imgW="634680" imgH="241200" progId="Equation.DSMT4">
                   <p:embed/>
                 </p:oleObj>
               </mc:Choice>
@@ -10760,7 +10776,7 @@
           <a:graphicData uri="http://schemas.openxmlformats.org/presentationml/2006/ole">
             <mc:AlternateContent xmlns:mc="http://schemas.openxmlformats.org/markup-compatibility/2006">
               <mc:Choice xmlns:v="urn:schemas-microsoft-com:vml" Requires="v">
-                <p:oleObj spid="_x0000_s1452" name="Equation" r:id="rId10" imgW="571320" imgH="241200" progId="Equation.DSMT4">
+                <p:oleObj spid="_x0000_s1461" name="Equation" r:id="rId10" imgW="571320" imgH="241200" progId="Equation.DSMT4">
                   <p:embed/>
                 </p:oleObj>
               </mc:Choice>
@@ -10817,7 +10833,7 @@
           <a:graphicData uri="http://schemas.openxmlformats.org/presentationml/2006/ole">
             <mc:AlternateContent xmlns:mc="http://schemas.openxmlformats.org/markup-compatibility/2006">
               <mc:Choice xmlns:v="urn:schemas-microsoft-com:vml" Requires="v">
-                <p:oleObj spid="_x0000_s1453" name="Equation" r:id="rId12" imgW="457200" imgH="228600" progId="Equation.DSMT4">
+                <p:oleObj spid="_x0000_s1462" name="Equation" r:id="rId12" imgW="457200" imgH="228600" progId="Equation.DSMT4">
                   <p:embed/>
                 </p:oleObj>
               </mc:Choice>
@@ -10906,7 +10922,7 @@
           <a:graphicData uri="http://schemas.openxmlformats.org/presentationml/2006/ole">
             <mc:AlternateContent xmlns:mc="http://schemas.openxmlformats.org/markup-compatibility/2006">
               <mc:Choice xmlns:v="urn:schemas-microsoft-com:vml" Requires="v">
-                <p:oleObj spid="_x0000_s1454" name="Equation" r:id="rId14" imgW="139680" imgH="139680" progId="Equation.DSMT4">
+                <p:oleObj spid="_x0000_s1463" name="Equation" r:id="rId14" imgW="139680" imgH="139680" progId="Equation.DSMT4">
                   <p:embed/>
                 </p:oleObj>
               </mc:Choice>
@@ -10995,7 +11011,7 @@
           <a:graphicData uri="http://schemas.openxmlformats.org/presentationml/2006/ole">
             <mc:AlternateContent xmlns:mc="http://schemas.openxmlformats.org/markup-compatibility/2006">
               <mc:Choice xmlns:v="urn:schemas-microsoft-com:vml" Requires="v">
-                <p:oleObj spid="_x0000_s1455" name="Equation" r:id="rId16" imgW="571320" imgH="241200" progId="Equation.DSMT4">
+                <p:oleObj spid="_x0000_s1464" name="Equation" r:id="rId16" imgW="571320" imgH="241200" progId="Equation.DSMT4">
                   <p:embed/>
                 </p:oleObj>
               </mc:Choice>
@@ -11065,7 +11081,7 @@
           <a:graphicData uri="http://schemas.openxmlformats.org/presentationml/2006/ole">
             <mc:AlternateContent xmlns:mc="http://schemas.openxmlformats.org/markup-compatibility/2006">
               <mc:Choice xmlns:v="urn:schemas-microsoft-com:vml" Requires="v">
-                <p:oleObj spid="_x0000_s1456" name="Equation" r:id="rId18" imgW="2412720" imgH="431640" progId="Equation.DSMT4">
+                <p:oleObj spid="_x0000_s1465" name="Equation" r:id="rId18" imgW="2412720" imgH="431640" progId="Equation.DSMT4">
                   <p:embed/>
                 </p:oleObj>
               </mc:Choice>
@@ -11122,7 +11138,7 @@
           <a:graphicData uri="http://schemas.openxmlformats.org/presentationml/2006/ole">
             <mc:AlternateContent xmlns:mc="http://schemas.openxmlformats.org/markup-compatibility/2006">
               <mc:Choice xmlns:v="urn:schemas-microsoft-com:vml" Requires="v">
-                <p:oleObj spid="_x0000_s1457" name="Equation" r:id="rId20" imgW="685800" imgH="203040" progId="Equation.DSMT4">
+                <p:oleObj spid="_x0000_s1466" name="Equation" r:id="rId20" imgW="685800" imgH="203040" progId="Equation.DSMT4">
                   <p:embed/>
                 </p:oleObj>
               </mc:Choice>
@@ -11625,7 +11641,7 @@
           <a:graphicData uri="http://schemas.openxmlformats.org/presentationml/2006/ole">
             <mc:AlternateContent xmlns:mc="http://schemas.openxmlformats.org/markup-compatibility/2006">
               <mc:Choice xmlns:v="urn:schemas-microsoft-com:vml" Requires="v">
-                <p:oleObj spid="_x0000_s2140" name="Equation" r:id="rId4" imgW="990360" imgH="228600" progId="Equation.DSMT4">
+                <p:oleObj spid="_x0000_s2142" name="Equation" r:id="rId4" imgW="990360" imgH="228600" progId="Equation.DSMT4">
                   <p:embed/>
                 </p:oleObj>
               </mc:Choice>
@@ -11682,7 +11698,7 @@
           <a:graphicData uri="http://schemas.openxmlformats.org/presentationml/2006/ole">
             <mc:AlternateContent xmlns:mc="http://schemas.openxmlformats.org/markup-compatibility/2006">
               <mc:Choice xmlns:v="urn:schemas-microsoft-com:vml" Requires="v">
-                <p:oleObj spid="_x0000_s2141" name="Equation" r:id="rId6" imgW="583920" imgH="228600" progId="Equation.DSMT4">
+                <p:oleObj spid="_x0000_s2143" name="Equation" r:id="rId6" imgW="583920" imgH="228600" progId="Equation.DSMT4">
                   <p:embed/>
                 </p:oleObj>
               </mc:Choice>
@@ -11881,7 +11897,7 @@
           <a:graphicData uri="http://schemas.openxmlformats.org/presentationml/2006/ole">
             <mc:AlternateContent xmlns:mc="http://schemas.openxmlformats.org/markup-compatibility/2006">
               <mc:Choice xmlns:v="urn:schemas-microsoft-com:vml" Requires="v">
-                <p:oleObj spid="_x0000_s5300" name="Equation" r:id="rId4" imgW="368280" imgH="241200" progId="Equation.DSMT4">
+                <p:oleObj spid="_x0000_s5304" name="Equation" r:id="rId4" imgW="368280" imgH="241200" progId="Equation.DSMT4">
                   <p:embed/>
                 </p:oleObj>
               </mc:Choice>
@@ -11938,7 +11954,7 @@
           <a:graphicData uri="http://schemas.openxmlformats.org/presentationml/2006/ole">
             <mc:AlternateContent xmlns:mc="http://schemas.openxmlformats.org/markup-compatibility/2006">
               <mc:Choice xmlns:v="urn:schemas-microsoft-com:vml" Requires="v">
-                <p:oleObj spid="_x0000_s5301" name="Equation" r:id="rId6" imgW="545760" imgH="241200" progId="Equation.DSMT4">
+                <p:oleObj spid="_x0000_s5305" name="Equation" r:id="rId6" imgW="545760" imgH="241200" progId="Equation.DSMT4">
                   <p:embed/>
                 </p:oleObj>
               </mc:Choice>
@@ -11995,7 +12011,7 @@
           <a:graphicData uri="http://schemas.openxmlformats.org/presentationml/2006/ole">
             <mc:AlternateContent xmlns:mc="http://schemas.openxmlformats.org/markup-compatibility/2006">
               <mc:Choice xmlns:v="urn:schemas-microsoft-com:vml" Requires="v">
-                <p:oleObj spid="_x0000_s5302" name="Equation" r:id="rId8" imgW="1028520" imgH="241200" progId="Equation.DSMT4">
+                <p:oleObj spid="_x0000_s5306" name="Equation" r:id="rId8" imgW="1028520" imgH="241200" progId="Equation.DSMT4">
                   <p:embed/>
                 </p:oleObj>
               </mc:Choice>
@@ -12052,7 +12068,7 @@
           <a:graphicData uri="http://schemas.openxmlformats.org/presentationml/2006/ole">
             <mc:AlternateContent xmlns:mc="http://schemas.openxmlformats.org/markup-compatibility/2006">
               <mc:Choice xmlns:v="urn:schemas-microsoft-com:vml" Requires="v">
-                <p:oleObj spid="_x0000_s5303" name="Equation" r:id="rId10" imgW="368280" imgH="241200" progId="Equation.DSMT4">
+                <p:oleObj spid="_x0000_s5307" name="Equation" r:id="rId10" imgW="368280" imgH="241200" progId="Equation.DSMT4">
                   <p:embed/>
                 </p:oleObj>
               </mc:Choice>
@@ -12301,7 +12317,7 @@
           <a:graphicData uri="http://schemas.openxmlformats.org/presentationml/2006/ole">
             <mc:AlternateContent xmlns:mc="http://schemas.openxmlformats.org/markup-compatibility/2006">
               <mc:Choice xmlns:v="urn:schemas-microsoft-com:vml" Requires="v">
-                <p:oleObj spid="_x0000_s3306" name="Equation" r:id="rId4" imgW="368280" imgH="203040" progId="Equation.DSMT4">
+                <p:oleObj spid="_x0000_s3311" name="Equation" r:id="rId4" imgW="368280" imgH="203040" progId="Equation.DSMT4">
                   <p:embed/>
                 </p:oleObj>
               </mc:Choice>
@@ -12358,7 +12374,7 @@
           <a:graphicData uri="http://schemas.openxmlformats.org/presentationml/2006/ole">
             <mc:AlternateContent xmlns:mc="http://schemas.openxmlformats.org/markup-compatibility/2006">
               <mc:Choice xmlns:v="urn:schemas-microsoft-com:vml" Requires="v">
-                <p:oleObj spid="_x0000_s3307" name="Equation" r:id="rId6" imgW="368280" imgH="203040" progId="Equation.DSMT4">
+                <p:oleObj spid="_x0000_s3312" name="Equation" r:id="rId6" imgW="368280" imgH="203040" progId="Equation.DSMT4">
                   <p:embed/>
                 </p:oleObj>
               </mc:Choice>
@@ -12415,7 +12431,7 @@
           <a:graphicData uri="http://schemas.openxmlformats.org/presentationml/2006/ole">
             <mc:AlternateContent xmlns:mc="http://schemas.openxmlformats.org/markup-compatibility/2006">
               <mc:Choice xmlns:v="urn:schemas-microsoft-com:vml" Requires="v">
-                <p:oleObj spid="_x0000_s3308" name="Equation" r:id="rId8" imgW="2184120" imgH="228600" progId="Equation.DSMT4">
+                <p:oleObj spid="_x0000_s3313" name="Equation" r:id="rId8" imgW="2184120" imgH="228600" progId="Equation.DSMT4">
                   <p:embed/>
                 </p:oleObj>
               </mc:Choice>
@@ -12472,7 +12488,7 @@
           <a:graphicData uri="http://schemas.openxmlformats.org/presentationml/2006/ole">
             <mc:AlternateContent xmlns:mc="http://schemas.openxmlformats.org/markup-compatibility/2006">
               <mc:Choice xmlns:v="urn:schemas-microsoft-com:vml" Requires="v">
-                <p:oleObj spid="_x0000_s3309" name="Equation" r:id="rId10" imgW="533160" imgH="228600" progId="Equation.DSMT4">
+                <p:oleObj spid="_x0000_s3314" name="Equation" r:id="rId10" imgW="533160" imgH="228600" progId="Equation.DSMT4">
                   <p:embed/>
                 </p:oleObj>
               </mc:Choice>
@@ -12529,7 +12545,7 @@
           <a:graphicData uri="http://schemas.openxmlformats.org/presentationml/2006/ole">
             <mc:AlternateContent xmlns:mc="http://schemas.openxmlformats.org/markup-compatibility/2006">
               <mc:Choice xmlns:v="urn:schemas-microsoft-com:vml" Requires="v">
-                <p:oleObj spid="_x0000_s3310" name="Equation" r:id="rId12" imgW="545760" imgH="203040" progId="Equation.DSMT4">
+                <p:oleObj spid="_x0000_s3315" name="Equation" r:id="rId12" imgW="545760" imgH="203040" progId="Equation.DSMT4">
                   <p:embed/>
                 </p:oleObj>
               </mc:Choice>
